--- a/workshops/4.Threads_Serialization.pptx
+++ b/workshops/4.Threads_Serialization.pptx
@@ -746,7 +746,7 @@
             <a:fld id="{3C5473D1-DA20-40A2-822F-511B39B00297}" type="datetimeFigureOut">
               <a:rPr lang="en-US" smtClean="0"/>
               <a:pPr/>
-              <a:t>10/23/2014</a:t>
+              <a:t>28/10/2014</a:t>
             </a:fld>
             <a:endParaRPr lang="en-US"/>
           </a:p>
@@ -944,7 +944,7 @@
             <a:fld id="{3C5473D1-DA20-40A2-822F-511B39B00297}" type="datetimeFigureOut">
               <a:rPr lang="en-US" smtClean="0"/>
               <a:pPr/>
-              <a:t>10/23/2014</a:t>
+              <a:t>28/10/2014</a:t>
             </a:fld>
             <a:endParaRPr lang="en-US"/>
           </a:p>
@@ -1131,7 +1131,7 @@
             <a:fld id="{3C5473D1-DA20-40A2-822F-511B39B00297}" type="datetimeFigureOut">
               <a:rPr lang="en-US" smtClean="0"/>
               <a:pPr/>
-              <a:t>10/23/2014</a:t>
+              <a:t>28/10/2014</a:t>
             </a:fld>
             <a:endParaRPr lang="en-US"/>
           </a:p>
@@ -1283,7 +1283,7 @@
             <a:fld id="{3C5473D1-DA20-40A2-822F-511B39B00297}" type="datetimeFigureOut">
               <a:rPr lang="en-US" smtClean="0"/>
               <a:pPr/>
-              <a:t>10/23/2014</a:t>
+              <a:t>28/10/2014</a:t>
             </a:fld>
             <a:endParaRPr lang="en-US"/>
           </a:p>
@@ -1540,7 +1540,7 @@
             <a:fld id="{3C5473D1-DA20-40A2-822F-511B39B00297}" type="datetimeFigureOut">
               <a:rPr lang="en-US" smtClean="0"/>
               <a:pPr/>
-              <a:t>10/23/2014</a:t>
+              <a:t>28/10/2014</a:t>
             </a:fld>
             <a:endParaRPr lang="en-US"/>
           </a:p>
@@ -1951,7 +1951,7 @@
             <a:fld id="{3C5473D1-DA20-40A2-822F-511B39B00297}" type="datetimeFigureOut">
               <a:rPr lang="en-US" smtClean="0"/>
               <a:pPr/>
-              <a:t>10/23/2014</a:t>
+              <a:t>28/10/2014</a:t>
             </a:fld>
             <a:endParaRPr lang="en-US"/>
           </a:p>
@@ -2399,7 +2399,7 @@
             <a:fld id="{3C5473D1-DA20-40A2-822F-511B39B00297}" type="datetimeFigureOut">
               <a:rPr lang="en-US" smtClean="0"/>
               <a:pPr/>
-              <a:t>10/23/2014</a:t>
+              <a:t>28/10/2014</a:t>
             </a:fld>
             <a:endParaRPr lang="en-US"/>
           </a:p>
@@ -2502,7 +2502,7 @@
             <a:fld id="{3C5473D1-DA20-40A2-822F-511B39B00297}" type="datetimeFigureOut">
               <a:rPr lang="en-US" smtClean="0"/>
               <a:pPr/>
-              <a:t>10/23/2014</a:t>
+              <a:t>28/10/2014</a:t>
             </a:fld>
             <a:endParaRPr lang="en-US"/>
           </a:p>
@@ -2625,7 +2625,7 @@
             <a:fld id="{3C5473D1-DA20-40A2-822F-511B39B00297}" type="datetimeFigureOut">
               <a:rPr lang="en-US" smtClean="0"/>
               <a:pPr/>
-              <a:t>10/23/2014</a:t>
+              <a:t>28/10/2014</a:t>
             </a:fld>
             <a:endParaRPr lang="en-US"/>
           </a:p>
@@ -2901,7 +2901,7 @@
             <a:fld id="{3C5473D1-DA20-40A2-822F-511B39B00297}" type="datetimeFigureOut">
               <a:rPr lang="en-US" smtClean="0"/>
               <a:pPr/>
-              <a:t>10/23/2014</a:t>
+              <a:t>28/10/2014</a:t>
             </a:fld>
             <a:endParaRPr lang="en-US"/>
           </a:p>
@@ -3108,7 +3108,7 @@
             <a:fld id="{3C5473D1-DA20-40A2-822F-511B39B00297}" type="datetimeFigureOut">
               <a:rPr lang="en-US" smtClean="0"/>
               <a:pPr/>
-              <a:t>10/23/2014</a:t>
+              <a:t>28/10/2014</a:t>
             </a:fld>
             <a:endParaRPr lang="en-US"/>
           </a:p>
@@ -4219,7 +4219,7 @@
             <a:fld id="{3C5473D1-DA20-40A2-822F-511B39B00297}" type="datetimeFigureOut">
               <a:rPr lang="en-US" smtClean="0"/>
               <a:pPr/>
-              <a:t>10/23/2014</a:t>
+              <a:t>28/10/2014</a:t>
             </a:fld>
             <a:endParaRPr lang="en-US"/>
           </a:p>
@@ -4691,15 +4691,12 @@
           <a:bodyPr/>
           <a:lstStyle/>
           <a:p>
+            <a:pPr>
+              <a:buNone/>
+            </a:pPr>
             <a:endParaRPr lang="en-US" dirty="0" smtClean="0"/>
           </a:p>
           <a:p>
-            <a:endParaRPr lang="en-US" dirty="0" smtClean="0"/>
-          </a:p>
-          <a:p>
-            <a:endParaRPr lang="en-US" dirty="0" smtClean="0"/>
-          </a:p>
-          <a:p>
             <a:r>
               <a:rPr lang="en-US" dirty="0" smtClean="0"/>
               <a:t>Thread Safety </a:t>
@@ -4776,7 +4773,9 @@
               <a:rPr lang="en-US" dirty="0" smtClean="0"/>
               <a:t>.</a:t>
             </a:r>
-            <a:endParaRPr lang="en-US" dirty="0"/>
+          </a:p>
+          <a:p>
+            <a:endParaRPr lang="en-US" sz="1200" dirty="0"/>
           </a:p>
         </p:txBody>
       </p:sp>
@@ -4838,145 +4837,443 @@
             <p:ph idx="1"/>
           </p:nvPr>
         </p:nvSpPr>
-        <p:spPr/>
+        <p:spPr>
+          <a:xfrm>
+            <a:off x="457200" y="1143000"/>
+            <a:ext cx="8229600" cy="4864291"/>
+          </a:xfrm>
+        </p:spPr>
         <p:txBody>
           <a:bodyPr/>
           <a:lstStyle/>
           <a:p>
+            <a:r>
+              <a:rPr lang="en-US" sz="1200" dirty="0" err="1" smtClean="0"/>
+              <a:t>Incercarea</a:t>
+            </a:r>
+            <a:r>
+              <a:rPr lang="en-US" sz="1200" dirty="0" smtClean="0"/>
+              <a:t> </a:t>
+            </a:r>
+            <a:r>
+              <a:rPr lang="en-US" sz="1200" dirty="0" err="1" smtClean="0"/>
+              <a:t>mai</a:t>
+            </a:r>
+            <a:r>
+              <a:rPr lang="en-US" sz="1200" dirty="0" smtClean="0"/>
+              <a:t> </a:t>
+            </a:r>
+            <a:r>
+              <a:rPr lang="en-US" sz="1200" dirty="0" err="1" smtClean="0"/>
+              <a:t>multor</a:t>
+            </a:r>
+            <a:r>
+              <a:rPr lang="en-US" sz="1200" dirty="0" smtClean="0"/>
+              <a:t> </a:t>
+            </a:r>
+            <a:r>
+              <a:rPr lang="en-US" sz="1200" dirty="0" err="1" smtClean="0"/>
+              <a:t>threaduri</a:t>
+            </a:r>
+            <a:r>
+              <a:rPr lang="en-US" sz="1200" dirty="0" smtClean="0"/>
+              <a:t> de a </a:t>
+            </a:r>
+            <a:r>
+              <a:rPr lang="en-US" sz="1200" dirty="0" err="1" smtClean="0"/>
+              <a:t>accesa</a:t>
+            </a:r>
+            <a:r>
+              <a:rPr lang="en-US" sz="1200" dirty="0" smtClean="0"/>
+              <a:t> </a:t>
+            </a:r>
+            <a:r>
+              <a:rPr lang="en-US" sz="1200" dirty="0" err="1" smtClean="0"/>
+              <a:t>aceeasi</a:t>
+            </a:r>
+            <a:r>
+              <a:rPr lang="en-US" sz="1200" dirty="0" smtClean="0"/>
+              <a:t> </a:t>
+            </a:r>
+            <a:r>
+              <a:rPr lang="en-US" sz="1200" dirty="0" err="1" smtClean="0"/>
+              <a:t>zona</a:t>
+            </a:r>
+            <a:r>
+              <a:rPr lang="en-US" sz="1200" dirty="0" smtClean="0"/>
+              <a:t> de </a:t>
+            </a:r>
+            <a:r>
+              <a:rPr lang="en-US" sz="1200" dirty="0" err="1" smtClean="0"/>
+              <a:t>memorie</a:t>
+            </a:r>
+            <a:endParaRPr lang="en-US" sz="1200" dirty="0" smtClean="0"/>
+          </a:p>
+          <a:p>
+            <a:r>
+              <a:rPr lang="en-US" dirty="0" smtClean="0"/>
+              <a:t>Thread-</a:t>
+            </a:r>
+            <a:r>
+              <a:rPr lang="en-US" dirty="0" err="1" smtClean="0"/>
+              <a:t>urile</a:t>
+            </a:r>
+            <a:r>
+              <a:rPr lang="en-US" dirty="0" smtClean="0"/>
+              <a:t> impart </a:t>
+            </a:r>
+            <a:r>
+              <a:rPr lang="en-US" dirty="0" err="1" smtClean="0"/>
+              <a:t>spatiul</a:t>
+            </a:r>
+            <a:r>
+              <a:rPr lang="en-US" dirty="0" smtClean="0"/>
+              <a:t> de </a:t>
+            </a:r>
+            <a:r>
+              <a:rPr lang="en-US" dirty="0" err="1" smtClean="0"/>
+              <a:t>memorie</a:t>
+            </a:r>
+            <a:r>
+              <a:rPr lang="en-US" dirty="0" smtClean="0"/>
+              <a:t>, </a:t>
+            </a:r>
+            <a:r>
+              <a:rPr lang="en-US" dirty="0" err="1" smtClean="0"/>
+              <a:t>prin</a:t>
+            </a:r>
+            <a:r>
+              <a:rPr lang="en-US" dirty="0" smtClean="0"/>
+              <a:t> </a:t>
+            </a:r>
+            <a:r>
+              <a:rPr lang="en-US" dirty="0" err="1" smtClean="0"/>
+              <a:t>urmare</a:t>
+            </a:r>
+            <a:r>
+              <a:rPr lang="en-US" dirty="0" smtClean="0"/>
+              <a:t> </a:t>
+            </a:r>
+            <a:r>
+              <a:rPr lang="en-US" dirty="0" err="1" smtClean="0"/>
+              <a:t>modificarile</a:t>
+            </a:r>
+            <a:r>
+              <a:rPr lang="en-US" dirty="0" smtClean="0"/>
+              <a:t> </a:t>
+            </a:r>
+            <a:r>
+              <a:rPr lang="en-US" dirty="0" err="1" smtClean="0"/>
+              <a:t>pe</a:t>
+            </a:r>
+            <a:r>
+              <a:rPr lang="en-US" dirty="0" smtClean="0"/>
+              <a:t> care le </a:t>
+            </a:r>
+            <a:r>
+              <a:rPr lang="en-US" dirty="0" err="1" smtClean="0"/>
+              <a:t>fac</a:t>
+            </a:r>
+            <a:r>
+              <a:rPr lang="en-US" dirty="0" smtClean="0"/>
+              <a:t> pot duce la </a:t>
+            </a:r>
+            <a:r>
+              <a:rPr lang="en-US" dirty="0" err="1" smtClean="0"/>
+              <a:t>rezultate</a:t>
+            </a:r>
+            <a:r>
+              <a:rPr lang="en-US" dirty="0" smtClean="0"/>
+              <a:t> </a:t>
+            </a:r>
+            <a:r>
+              <a:rPr lang="en-US" dirty="0" err="1" smtClean="0"/>
+              <a:t>neintuitive</a:t>
+            </a:r>
+            <a:r>
+              <a:rPr lang="en-US" dirty="0" smtClean="0"/>
+              <a:t>.</a:t>
+            </a:r>
+          </a:p>
+          <a:p>
             <a:endParaRPr lang="en-US" dirty="0" smtClean="0"/>
           </a:p>
           <a:p>
             <a:r>
               <a:rPr lang="en-US" dirty="0" smtClean="0"/>
-              <a:t>Thread-</a:t>
-            </a:r>
-            <a:r>
-              <a:rPr lang="en-US" dirty="0" err="1" smtClean="0"/>
-              <a:t>urile</a:t>
-            </a:r>
-            <a:r>
-              <a:rPr lang="en-US" dirty="0" smtClean="0"/>
-              <a:t> impart </a:t>
-            </a:r>
-            <a:r>
-              <a:rPr lang="en-US" dirty="0" err="1" smtClean="0"/>
-              <a:t>spatiul</a:t>
-            </a:r>
-            <a:r>
-              <a:rPr lang="en-US" dirty="0" smtClean="0"/>
+              <a:t>Pot produce </a:t>
+            </a:r>
+            <a:r>
+              <a:rPr lang="en-US" dirty="0" err="1" smtClean="0"/>
+              <a:t>urmatoarele</a:t>
+            </a:r>
+            <a:r>
+              <a:rPr lang="en-US" dirty="0" smtClean="0"/>
+              <a:t> </a:t>
+            </a:r>
+            <a:r>
+              <a:rPr lang="en-US" dirty="0" err="1" smtClean="0"/>
+              <a:t>situatii</a:t>
+            </a:r>
+            <a:r>
+              <a:rPr lang="en-US" dirty="0" smtClean="0"/>
+              <a:t>:</a:t>
+            </a:r>
+          </a:p>
+          <a:p>
+            <a:pPr lvl="1"/>
+            <a:r>
+              <a:rPr lang="en-US" dirty="0" smtClean="0"/>
+              <a:t>Deadlocks</a:t>
+            </a:r>
+          </a:p>
+          <a:p>
+            <a:pPr lvl="1"/>
+            <a:r>
+              <a:rPr lang="en-US" dirty="0" err="1" smtClean="0"/>
+              <a:t>LiveLock</a:t>
+            </a:r>
+            <a:r>
+              <a:rPr lang="en-US" sz="1200" dirty="0" smtClean="0"/>
+              <a:t>(t1 face lock </a:t>
+            </a:r>
+            <a:r>
+              <a:rPr lang="en-US" sz="1200" dirty="0" err="1" smtClean="0"/>
+              <a:t>pe</a:t>
+            </a:r>
+            <a:r>
+              <a:rPr lang="en-US" sz="1200" dirty="0" smtClean="0"/>
+              <a:t> var1, t2 face lock </a:t>
+            </a:r>
+            <a:r>
+              <a:rPr lang="en-US" sz="1200" dirty="0" err="1" smtClean="0"/>
+              <a:t>pe</a:t>
+            </a:r>
+            <a:r>
+              <a:rPr lang="en-US" sz="1200" dirty="0" smtClean="0"/>
+              <a:t> var1, t1 </a:t>
+            </a:r>
+            <a:r>
+              <a:rPr lang="en-US" sz="1200" dirty="0" err="1" smtClean="0"/>
+              <a:t>renunta</a:t>
+            </a:r>
+            <a:r>
+              <a:rPr lang="en-US" sz="1200" dirty="0" smtClean="0"/>
+              <a:t> la lock in </a:t>
+            </a:r>
+            <a:r>
+              <a:rPr lang="en-US" sz="1200" dirty="0" err="1" smtClean="0"/>
+              <a:t>favoarea</a:t>
+            </a:r>
+            <a:r>
+              <a:rPr lang="en-US" sz="1200" dirty="0" smtClean="0"/>
+              <a:t> </a:t>
+            </a:r>
+            <a:r>
+              <a:rPr lang="en-US" sz="1200" dirty="0" err="1" smtClean="0"/>
+              <a:t>lui</a:t>
+            </a:r>
+            <a:r>
+              <a:rPr lang="en-US" sz="1200" dirty="0" smtClean="0"/>
+              <a:t> t2 </a:t>
+            </a:r>
+            <a:r>
+              <a:rPr lang="en-US" sz="1200" dirty="0" err="1" smtClean="0"/>
+              <a:t>si</a:t>
+            </a:r>
+            <a:r>
+              <a:rPr lang="en-US" sz="1200" dirty="0" smtClean="0"/>
+              <a:t> </a:t>
+            </a:r>
+            <a:r>
+              <a:rPr lang="en-US" sz="1200" dirty="0" err="1" smtClean="0"/>
+              <a:t>apoi</a:t>
+            </a:r>
+            <a:r>
+              <a:rPr lang="en-US" sz="1200" dirty="0" smtClean="0"/>
+              <a:t> </a:t>
+            </a:r>
+            <a:r>
+              <a:rPr lang="en-US" sz="1200" dirty="0" err="1" smtClean="0"/>
+              <a:t>astepta</a:t>
+            </a:r>
+            <a:r>
+              <a:rPr lang="en-US" sz="1200" dirty="0" smtClean="0"/>
+              <a:t> pt lock pt t1 </a:t>
+            </a:r>
+            <a:r>
+              <a:rPr lang="en-US" sz="1200" dirty="0" err="1" smtClean="0"/>
+              <a:t>si</a:t>
+            </a:r>
+            <a:r>
+              <a:rPr lang="en-US" sz="1200" dirty="0" smtClean="0"/>
+              <a:t> </a:t>
+            </a:r>
+            <a:r>
+              <a:rPr lang="en-US" sz="1200" dirty="0" err="1" smtClean="0"/>
+              <a:t>renunta</a:t>
+            </a:r>
+            <a:r>
+              <a:rPr lang="en-US" sz="1200" dirty="0" smtClean="0"/>
+              <a:t> t2 </a:t>
+            </a:r>
+            <a:r>
+              <a:rPr lang="en-US" sz="1200" dirty="0" err="1" smtClean="0"/>
+              <a:t>si</a:t>
+            </a:r>
+            <a:r>
+              <a:rPr lang="en-US" sz="1200" dirty="0" smtClean="0"/>
+              <a:t> tot </a:t>
+            </a:r>
+            <a:r>
+              <a:rPr lang="en-US" sz="1200" dirty="0" err="1" smtClean="0"/>
+              <a:t>asa</a:t>
+            </a:r>
+            <a:r>
+              <a:rPr lang="en-US" sz="1200" dirty="0" smtClean="0"/>
+              <a:t> </a:t>
+            </a:r>
+            <a:r>
+              <a:rPr lang="en-US" sz="1200" dirty="0" err="1" smtClean="0"/>
+              <a:t>si</a:t>
+            </a:r>
+            <a:r>
+              <a:rPr lang="en-US" sz="1200" dirty="0" smtClean="0"/>
               <a:t> de </a:t>
             </a:r>
             <a:r>
-              <a:rPr lang="en-US" dirty="0" err="1" smtClean="0"/>
-              <a:t>memorie</a:t>
-            </a:r>
-            <a:r>
-              <a:rPr lang="en-US" dirty="0" smtClean="0"/>
-              <a:t>, </a:t>
-            </a:r>
-            <a:r>
-              <a:rPr lang="en-US" dirty="0" err="1" smtClean="0"/>
-              <a:t>prin</a:t>
-            </a:r>
-            <a:r>
-              <a:rPr lang="en-US" dirty="0" smtClean="0"/>
-              <a:t> </a:t>
-            </a:r>
-            <a:r>
-              <a:rPr lang="en-US" dirty="0" err="1" smtClean="0"/>
-              <a:t>urmare</a:t>
-            </a:r>
-            <a:r>
-              <a:rPr lang="en-US" dirty="0" smtClean="0"/>
-              <a:t> </a:t>
-            </a:r>
-            <a:r>
-              <a:rPr lang="en-US" dirty="0" err="1" smtClean="0"/>
-              <a:t>modificarile</a:t>
-            </a:r>
-            <a:r>
-              <a:rPr lang="en-US" dirty="0" smtClean="0"/>
-              <a:t> </a:t>
-            </a:r>
-            <a:r>
-              <a:rPr lang="en-US" dirty="0" err="1" smtClean="0"/>
-              <a:t>pe</a:t>
-            </a:r>
-            <a:r>
-              <a:rPr lang="en-US" dirty="0" smtClean="0"/>
-              <a:t> care le </a:t>
-            </a:r>
-            <a:r>
-              <a:rPr lang="en-US" dirty="0" err="1" smtClean="0"/>
-              <a:t>fac</a:t>
-            </a:r>
-            <a:r>
-              <a:rPr lang="en-US" dirty="0" smtClean="0"/>
-              <a:t> pot duce la </a:t>
-            </a:r>
-            <a:r>
-              <a:rPr lang="en-US" dirty="0" err="1" smtClean="0"/>
-              <a:t>rezultate</a:t>
-            </a:r>
-            <a:r>
-              <a:rPr lang="en-US" dirty="0" smtClean="0"/>
-              <a:t> </a:t>
-            </a:r>
-            <a:r>
-              <a:rPr lang="en-US" dirty="0" err="1" smtClean="0"/>
-              <a:t>neintuitive</a:t>
-            </a:r>
-            <a:r>
-              <a:rPr lang="en-US" dirty="0" smtClean="0"/>
-              <a:t>.</a:t>
-            </a:r>
-          </a:p>
-          <a:p>
+              <a:rPr lang="en-US" sz="1200" dirty="0" err="1" smtClean="0"/>
+              <a:t>fapt</a:t>
+            </a:r>
+            <a:r>
+              <a:rPr lang="en-US" sz="1200" dirty="0" smtClean="0"/>
+              <a:t> </a:t>
+            </a:r>
+            <a:r>
+              <a:rPr lang="en-US" sz="1200" dirty="0" err="1" smtClean="0"/>
+              <a:t>nimeni</a:t>
+            </a:r>
+            <a:r>
+              <a:rPr lang="en-US" sz="1200" dirty="0" smtClean="0"/>
+              <a:t> nu </a:t>
+            </a:r>
+            <a:r>
+              <a:rPr lang="en-US" sz="1200" dirty="0" err="1" smtClean="0"/>
+              <a:t>isi</a:t>
+            </a:r>
+            <a:r>
+              <a:rPr lang="en-US" sz="1200" dirty="0" smtClean="0"/>
+              <a:t> face </a:t>
+            </a:r>
+            <a:r>
+              <a:rPr lang="en-US" sz="1200" dirty="0" err="1" smtClean="0"/>
+              <a:t>operatiile</a:t>
+            </a:r>
+            <a:r>
+              <a:rPr lang="en-US" sz="1200" dirty="0" smtClean="0"/>
+              <a:t>)</a:t>
+            </a:r>
             <a:endParaRPr lang="en-US" dirty="0" smtClean="0"/>
           </a:p>
           <a:p>
-            <a:r>
-              <a:rPr lang="en-US" dirty="0" smtClean="0"/>
-              <a:t>Pot produce </a:t>
-            </a:r>
-            <a:r>
-              <a:rPr lang="en-US" dirty="0" err="1" smtClean="0"/>
-              <a:t>urmatoarele</a:t>
-            </a:r>
-            <a:r>
-              <a:rPr lang="en-US" dirty="0" smtClean="0"/>
-              <a:t> </a:t>
-            </a:r>
-            <a:r>
-              <a:rPr lang="en-US" dirty="0" err="1" smtClean="0"/>
-              <a:t>situatii</a:t>
-            </a:r>
-            <a:r>
-              <a:rPr lang="en-US" dirty="0" smtClean="0"/>
-              <a:t>:</a:t>
-            </a:r>
-          </a:p>
-          <a:p>
             <a:pPr lvl="1"/>
             <a:r>
               <a:rPr lang="en-US" dirty="0" smtClean="0"/>
-              <a:t>Deadlocks</a:t>
-            </a:r>
-          </a:p>
-          <a:p>
-            <a:pPr lvl="1"/>
-            <a:r>
-              <a:rPr lang="en-US" dirty="0" err="1" smtClean="0"/>
-              <a:t>LiveLock</a:t>
+              <a:t>Lock Starvation</a:t>
+            </a:r>
+            <a:r>
+              <a:rPr lang="en-US" sz="1200" dirty="0" smtClean="0"/>
+              <a:t>(thread cu </a:t>
+            </a:r>
+            <a:r>
+              <a:rPr lang="en-US" sz="1200" dirty="0" err="1" smtClean="0"/>
+              <a:t>prioritate</a:t>
+            </a:r>
+            <a:r>
+              <a:rPr lang="en-US" sz="1200" dirty="0" smtClean="0"/>
+              <a:t> mica </a:t>
+            </a:r>
+            <a:r>
+              <a:rPr lang="en-US" sz="1200" dirty="0" err="1" smtClean="0"/>
+              <a:t>intr</a:t>
+            </a:r>
+            <a:r>
+              <a:rPr lang="en-US" sz="1200" dirty="0" smtClean="0"/>
+              <a:t>-un context cu thread-</a:t>
+            </a:r>
+            <a:r>
+              <a:rPr lang="en-US" sz="1200" dirty="0" err="1" smtClean="0"/>
+              <a:t>uri</a:t>
+            </a:r>
+            <a:r>
+              <a:rPr lang="en-US" sz="1200" dirty="0" smtClean="0"/>
+              <a:t> cu </a:t>
+            </a:r>
+            <a:r>
+              <a:rPr lang="en-US" sz="1200" dirty="0" err="1" smtClean="0"/>
+              <a:t>prioritate</a:t>
+            </a:r>
+            <a:r>
+              <a:rPr lang="en-US" sz="1200" dirty="0" smtClean="0"/>
+              <a:t> </a:t>
+            </a:r>
+            <a:r>
+              <a:rPr lang="en-US" sz="1200" dirty="0" err="1" smtClean="0"/>
+              <a:t>mai</a:t>
+            </a:r>
+            <a:r>
+              <a:rPr lang="en-US" sz="1200" dirty="0" smtClean="0"/>
+              <a:t> mare </a:t>
+            </a:r>
+            <a:r>
+              <a:rPr lang="en-US" sz="1200" dirty="0" err="1" smtClean="0"/>
+              <a:t>si</a:t>
+            </a:r>
+            <a:r>
+              <a:rPr lang="en-US" sz="1200" dirty="0" smtClean="0"/>
+              <a:t> </a:t>
+            </a:r>
+            <a:r>
+              <a:rPr lang="en-US" sz="1200" dirty="0" err="1" smtClean="0"/>
+              <a:t>threadul</a:t>
+            </a:r>
+            <a:r>
+              <a:rPr lang="en-US" sz="1200" dirty="0" smtClean="0"/>
+              <a:t> cu </a:t>
+            </a:r>
+            <a:r>
+              <a:rPr lang="en-US" sz="1200" dirty="0" err="1" smtClean="0"/>
+              <a:t>prioritate</a:t>
+            </a:r>
+            <a:r>
+              <a:rPr lang="en-US" sz="1200" dirty="0" smtClean="0"/>
+              <a:t> </a:t>
+            </a:r>
+            <a:r>
+              <a:rPr lang="en-US" sz="1200" dirty="0" err="1" smtClean="0"/>
+              <a:t>mai</a:t>
+            </a:r>
+            <a:r>
+              <a:rPr lang="en-US" sz="1200" dirty="0" smtClean="0"/>
+              <a:t> mica nu o </a:t>
+            </a:r>
+            <a:r>
+              <a:rPr lang="en-US" sz="1200" dirty="0" err="1" smtClean="0"/>
+              <a:t>sa</a:t>
+            </a:r>
+            <a:r>
+              <a:rPr lang="en-US" sz="1200" dirty="0" smtClean="0"/>
+              <a:t> se execute </a:t>
+            </a:r>
+            <a:r>
+              <a:rPr lang="en-US" sz="1200" dirty="0" err="1" smtClean="0"/>
+              <a:t>niciodata</a:t>
+            </a:r>
+            <a:r>
+              <a:rPr lang="en-US" sz="1200" dirty="0" smtClean="0"/>
+              <a:t>)</a:t>
             </a:r>
             <a:endParaRPr lang="en-US" dirty="0" smtClean="0"/>
-          </a:p>
-          <a:p>
-            <a:pPr lvl="1"/>
-            <a:r>
-              <a:rPr lang="en-US" dirty="0" smtClean="0"/>
-              <a:t>Lock Starvation</a:t>
-            </a:r>
           </a:p>
           <a:p>
             <a:endParaRPr lang="en-US" dirty="0"/>
@@ -5200,18 +5497,77 @@
             <a:endParaRPr lang="en-US" dirty="0" smtClean="0"/>
           </a:p>
           <a:p>
+            <a:r>
+              <a:rPr lang="en-US" dirty="0" smtClean="0"/>
+              <a:t>Re-</a:t>
+            </a:r>
+            <a:r>
+              <a:rPr lang="en-US" dirty="0" err="1" smtClean="0"/>
+              <a:t>entrancy</a:t>
+            </a:r>
             <a:endParaRPr lang="en-US" dirty="0" smtClean="0"/>
           </a:p>
           <a:p>
             <a:r>
-              <a:rPr lang="en-US" dirty="0" smtClean="0"/>
-              <a:t>Re-</a:t>
-            </a:r>
-            <a:r>
-              <a:rPr lang="en-US" dirty="0" err="1" smtClean="0"/>
-              <a:t>entrancy</a:t>
-            </a:r>
-            <a:endParaRPr lang="en-US" dirty="0" smtClean="0"/>
+              <a:rPr lang="en-US" sz="1200" dirty="0" smtClean="0"/>
+              <a:t>( a </a:t>
+            </a:r>
+            <a:r>
+              <a:rPr lang="en-US" sz="1200" dirty="0" err="1" smtClean="0"/>
+              <a:t>pune</a:t>
+            </a:r>
+            <a:r>
+              <a:rPr lang="en-US" sz="1200" dirty="0" smtClean="0"/>
+              <a:t> de </a:t>
+            </a:r>
+            <a:r>
+              <a:rPr lang="en-US" sz="1200" dirty="0" err="1" smtClean="0"/>
+              <a:t>mai</a:t>
+            </a:r>
+            <a:r>
+              <a:rPr lang="en-US" sz="1200" dirty="0" smtClean="0"/>
+              <a:t> </a:t>
+            </a:r>
+            <a:r>
+              <a:rPr lang="en-US" sz="1200" dirty="0" err="1" smtClean="0"/>
+              <a:t>multe</a:t>
+            </a:r>
+            <a:r>
+              <a:rPr lang="en-US" sz="1200" dirty="0" smtClean="0"/>
+              <a:t> </a:t>
+            </a:r>
+            <a:r>
+              <a:rPr lang="en-US" sz="1200" dirty="0" err="1" smtClean="0"/>
+              <a:t>ori</a:t>
+            </a:r>
+            <a:r>
+              <a:rPr lang="en-US" sz="1200" dirty="0" smtClean="0"/>
+              <a:t> lock </a:t>
+            </a:r>
+            <a:r>
+              <a:rPr lang="en-US" sz="1200" dirty="0" err="1" smtClean="0"/>
+              <a:t>pe</a:t>
+            </a:r>
+            <a:r>
+              <a:rPr lang="en-US" sz="1200" dirty="0" smtClean="0"/>
+              <a:t> o </a:t>
+            </a:r>
+            <a:r>
+              <a:rPr lang="en-US" sz="1200" dirty="0" err="1" smtClean="0"/>
+              <a:t>resursa</a:t>
+            </a:r>
+            <a:r>
+              <a:rPr lang="en-US" sz="1200" dirty="0" smtClean="0"/>
+              <a:t> de </a:t>
+            </a:r>
+            <a:r>
+              <a:rPr lang="en-US" sz="1200" dirty="0" err="1" smtClean="0"/>
+              <a:t>catre</a:t>
+            </a:r>
+            <a:r>
+              <a:rPr lang="en-US" sz="1200" dirty="0" smtClean="0"/>
+              <a:t> un thread)</a:t>
+            </a:r>
           </a:p>
           <a:p>
             <a:r>
@@ -5221,22 +5577,166 @@
           </a:p>
           <a:p>
             <a:r>
+              <a:rPr lang="en-US" sz="1200" dirty="0" smtClean="0"/>
+              <a:t>Se </a:t>
+            </a:r>
+            <a:r>
+              <a:rPr lang="en-US" sz="1200" dirty="0" err="1" smtClean="0"/>
+              <a:t>folosesc</a:t>
+            </a:r>
+            <a:r>
+              <a:rPr lang="en-US" sz="1200" dirty="0" smtClean="0"/>
+              <a:t> </a:t>
+            </a:r>
+            <a:r>
+              <a:rPr lang="en-US" sz="1200" dirty="0" err="1" smtClean="0"/>
+              <a:t>variabile</a:t>
+            </a:r>
+            <a:r>
+              <a:rPr lang="en-US" sz="1200" dirty="0" smtClean="0"/>
+              <a:t> </a:t>
+            </a:r>
+            <a:r>
+              <a:rPr lang="en-US" sz="1200" dirty="0" err="1" smtClean="0"/>
+              <a:t>pentru</a:t>
+            </a:r>
+            <a:r>
+              <a:rPr lang="en-US" sz="1200" dirty="0" smtClean="0"/>
+              <a:t> a </a:t>
+            </a:r>
+            <a:r>
+              <a:rPr lang="en-US" sz="1200" dirty="0" err="1" smtClean="0"/>
+              <a:t>salva</a:t>
+            </a:r>
+            <a:r>
+              <a:rPr lang="en-US" sz="1200" dirty="0" smtClean="0"/>
+              <a:t> </a:t>
+            </a:r>
+            <a:r>
+              <a:rPr lang="en-US" sz="1200" dirty="0" err="1" smtClean="0"/>
+              <a:t>stari</a:t>
+            </a:r>
+            <a:r>
+              <a:rPr lang="en-US" sz="1200" dirty="0" smtClean="0"/>
+              <a:t> </a:t>
+            </a:r>
+            <a:r>
+              <a:rPr lang="en-US" sz="1200" dirty="0" err="1" smtClean="0"/>
+              <a:t>pe</a:t>
+            </a:r>
+            <a:r>
+              <a:rPr lang="en-US" sz="1200" dirty="0" smtClean="0"/>
+              <a:t> disc </a:t>
+            </a:r>
+            <a:r>
+              <a:rPr lang="en-US" sz="1200" dirty="0" err="1" smtClean="0"/>
+              <a:t>pentru</a:t>
+            </a:r>
+            <a:r>
+              <a:rPr lang="en-US" sz="1200" dirty="0" smtClean="0"/>
+              <a:t> a </a:t>
+            </a:r>
+            <a:r>
+              <a:rPr lang="en-US" sz="1200" dirty="0" err="1" smtClean="0"/>
+              <a:t>fi</a:t>
+            </a:r>
+            <a:r>
+              <a:rPr lang="en-US" sz="1200" dirty="0" smtClean="0"/>
+              <a:t> </a:t>
+            </a:r>
+            <a:r>
+              <a:rPr lang="en-US" sz="1200" dirty="0" err="1" smtClean="0"/>
+              <a:t>clar</a:t>
+            </a:r>
+            <a:r>
+              <a:rPr lang="en-US" sz="1200" dirty="0" smtClean="0"/>
+              <a:t> </a:t>
+            </a:r>
+            <a:r>
+              <a:rPr lang="en-US" sz="1200" dirty="0" err="1" smtClean="0"/>
+              <a:t>pentru</a:t>
+            </a:r>
+            <a:r>
+              <a:rPr lang="en-US" sz="1200" dirty="0" smtClean="0"/>
+              <a:t> </a:t>
+            </a:r>
+            <a:r>
+              <a:rPr lang="en-US" sz="1200" dirty="0" err="1" smtClean="0"/>
+              <a:t>fiecare</a:t>
+            </a:r>
+            <a:r>
+              <a:rPr lang="en-US" sz="1200" dirty="0" smtClean="0"/>
+              <a:t> thread </a:t>
+            </a:r>
+            <a:r>
+              <a:rPr lang="en-US" sz="1200" dirty="0" err="1" smtClean="0"/>
+              <a:t>ce</a:t>
+            </a:r>
+            <a:r>
+              <a:rPr lang="en-US" sz="1200" dirty="0" smtClean="0"/>
+              <a:t> </a:t>
+            </a:r>
+            <a:r>
+              <a:rPr lang="en-US" sz="1200" dirty="0" err="1" smtClean="0"/>
+              <a:t>poate</a:t>
+            </a:r>
+            <a:r>
+              <a:rPr lang="en-US" sz="1200" dirty="0" smtClean="0"/>
+              <a:t> </a:t>
+            </a:r>
+            <a:r>
+              <a:rPr lang="en-US" sz="1200" dirty="0" err="1" smtClean="0"/>
+              <a:t>sau</a:t>
+            </a:r>
+            <a:r>
+              <a:rPr lang="en-US" sz="1200" dirty="0" smtClean="0"/>
+              <a:t> nu face</a:t>
+            </a:r>
+          </a:p>
+          <a:p>
+            <a:r>
               <a:rPr lang="en-US" dirty="0" smtClean="0"/>
               <a:t>Mutual exclusion</a:t>
             </a:r>
           </a:p>
           <a:p>
             <a:r>
+              <a:rPr lang="en-US" sz="1200" dirty="0" smtClean="0"/>
+              <a:t>(se face cu synchronized)</a:t>
+            </a:r>
+          </a:p>
+          <a:p>
+            <a:r>
               <a:rPr lang="en-US" dirty="0" smtClean="0"/>
               <a:t>Atomic operations</a:t>
             </a:r>
+            <a:r>
+              <a:rPr lang="en-US" sz="2800" dirty="0" smtClean="0"/>
+              <a:t> </a:t>
+            </a:r>
+            <a:r>
+              <a:rPr lang="en-US" sz="1200" dirty="0" smtClean="0"/>
+              <a:t>(se face cu synchronized)</a:t>
+            </a:r>
           </a:p>
           <a:p>
             <a:r>
               <a:rPr lang="en-US" dirty="0" smtClean="0"/>
               <a:t>Immutable objects </a:t>
             </a:r>
-            <a:endParaRPr lang="en-US" dirty="0"/>
+            <a:r>
+              <a:rPr lang="en-US" sz="1200" dirty="0" smtClean="0"/>
+              <a:t>(cu immutable objects nu </a:t>
+            </a:r>
+            <a:r>
+              <a:rPr lang="en-US" sz="1200" dirty="0" err="1" smtClean="0"/>
+              <a:t>ajungi</a:t>
+            </a:r>
+            <a:r>
+              <a:rPr lang="en-US" sz="1200" dirty="0" smtClean="0"/>
+              <a:t> la data races)</a:t>
+            </a:r>
+            <a:endParaRPr lang="en-US" sz="1200" dirty="0"/>
           </a:p>
         </p:txBody>
       </p:sp>
@@ -5307,107 +5807,132 @@
           <a:bodyPr/>
           <a:lstStyle/>
           <a:p>
+            <a:r>
+              <a:rPr lang="en-US" sz="1200" dirty="0" err="1" smtClean="0"/>
+              <a:t>Serializable</a:t>
+            </a:r>
+            <a:r>
+              <a:rPr lang="en-US" sz="1200" dirty="0" smtClean="0"/>
+              <a:t>, </a:t>
+            </a:r>
+            <a:r>
+              <a:rPr lang="en-US" sz="1200" dirty="0" err="1" smtClean="0"/>
+              <a:t>externalizable</a:t>
+            </a:r>
+            <a:endParaRPr lang="en-US" sz="1200" dirty="0" smtClean="0"/>
+          </a:p>
+          <a:p>
+            <a:r>
+              <a:rPr lang="en-US" sz="1200" dirty="0" smtClean="0"/>
+              <a:t>Transient</a:t>
+            </a:r>
+          </a:p>
+          <a:p>
+            <a:r>
+              <a:rPr lang="en-US" sz="1200" smtClean="0"/>
+              <a:t>versionUId</a:t>
+            </a:r>
+            <a:endParaRPr lang="en-US" sz="1200" dirty="0" smtClean="0"/>
+          </a:p>
+          <a:p>
+            <a:r>
+              <a:rPr lang="en-US" dirty="0" err="1" smtClean="0"/>
+              <a:t>Ce</a:t>
+            </a:r>
+            <a:r>
+              <a:rPr lang="en-US" dirty="0" smtClean="0"/>
+              <a:t> </a:t>
+            </a:r>
+            <a:r>
+              <a:rPr lang="en-US" dirty="0" err="1" smtClean="0"/>
+              <a:t>reprezinta</a:t>
+            </a:r>
+            <a:r>
+              <a:rPr lang="en-US" dirty="0" smtClean="0"/>
+              <a:t> ?</a:t>
+            </a:r>
+            <a:br>
+              <a:rPr lang="en-US" dirty="0" smtClean="0"/>
+            </a:br>
+            <a:endParaRPr lang="en-US" sz="1200" dirty="0" smtClean="0"/>
+          </a:p>
+          <a:p>
+            <a:r>
+              <a:rPr lang="en-US" dirty="0" err="1" smtClean="0"/>
+              <a:t>Scrierea</a:t>
+            </a:r>
+            <a:r>
+              <a:rPr lang="en-US" dirty="0" smtClean="0"/>
+              <a:t> </a:t>
+            </a:r>
+            <a:r>
+              <a:rPr lang="en-US" dirty="0" err="1" smtClean="0"/>
+              <a:t>unui</a:t>
+            </a:r>
+            <a:r>
+              <a:rPr lang="en-US" dirty="0" smtClean="0"/>
+              <a:t> </a:t>
+            </a:r>
+            <a:r>
+              <a:rPr lang="en-US" dirty="0" err="1" smtClean="0"/>
+              <a:t>obiect</a:t>
+            </a:r>
+            <a:r>
+              <a:rPr lang="en-US" dirty="0" smtClean="0"/>
+              <a:t> </a:t>
+            </a:r>
+            <a:r>
+              <a:rPr lang="en-US" dirty="0" err="1" smtClean="0"/>
+              <a:t>prin</a:t>
+            </a:r>
+            <a:r>
+              <a:rPr lang="en-US" dirty="0" smtClean="0"/>
+              <a:t> Output Stream</a:t>
+            </a:r>
+          </a:p>
+          <a:p>
             <a:endParaRPr lang="en-US" dirty="0" smtClean="0"/>
           </a:p>
           <a:p>
             <a:r>
               <a:rPr lang="en-US" dirty="0" err="1" smtClean="0"/>
-              <a:t>Ce</a:t>
-            </a:r>
-            <a:r>
-              <a:rPr lang="en-US" dirty="0" smtClean="0"/>
-              <a:t> </a:t>
-            </a:r>
-            <a:r>
-              <a:rPr lang="en-US" dirty="0" err="1" smtClean="0"/>
-              <a:t>reprezinta</a:t>
-            </a:r>
-            <a:r>
-              <a:rPr lang="en-US" dirty="0" smtClean="0"/>
-              <a:t> ?</a:t>
-            </a:r>
-            <a:br>
-              <a:rPr lang="en-US" dirty="0" smtClean="0"/>
-            </a:br>
+              <a:t>Citirea</a:t>
+            </a:r>
+            <a:r>
+              <a:rPr lang="en-US" dirty="0" smtClean="0"/>
+              <a:t> </a:t>
+            </a:r>
+            <a:r>
+              <a:rPr lang="en-US" dirty="0" err="1" smtClean="0"/>
+              <a:t>unui</a:t>
+            </a:r>
+            <a:r>
+              <a:rPr lang="en-US" dirty="0" smtClean="0"/>
+              <a:t> </a:t>
+            </a:r>
+            <a:r>
+              <a:rPr lang="en-US" dirty="0" err="1" smtClean="0"/>
+              <a:t>obiect</a:t>
+            </a:r>
+            <a:r>
+              <a:rPr lang="en-US" dirty="0" smtClean="0"/>
+              <a:t> </a:t>
+            </a:r>
+            <a:r>
+              <a:rPr lang="en-US" dirty="0" err="1" smtClean="0"/>
+              <a:t>prin</a:t>
+            </a:r>
+            <a:r>
+              <a:rPr lang="en-US" dirty="0" smtClean="0"/>
+              <a:t> Input Stream</a:t>
+            </a:r>
+          </a:p>
+          <a:p>
             <a:endParaRPr lang="en-US" dirty="0" smtClean="0"/>
           </a:p>
           <a:p>
             <a:r>
               <a:rPr lang="en-US" dirty="0" err="1" smtClean="0"/>
-              <a:t>Scrierea</a:t>
-            </a:r>
-            <a:r>
-              <a:rPr lang="en-US" dirty="0" smtClean="0"/>
-              <a:t> </a:t>
-            </a:r>
-            <a:r>
-              <a:rPr lang="en-US" dirty="0" err="1" smtClean="0"/>
-              <a:t>unui</a:t>
-            </a:r>
-            <a:r>
-              <a:rPr lang="en-US" dirty="0" smtClean="0"/>
-              <a:t> </a:t>
-            </a:r>
-            <a:r>
-              <a:rPr lang="en-US" dirty="0" err="1" smtClean="0"/>
-              <a:t>obiect</a:t>
-            </a:r>
-            <a:r>
-              <a:rPr lang="en-US" dirty="0" smtClean="0"/>
-              <a:t> </a:t>
-            </a:r>
-            <a:r>
-              <a:rPr lang="en-US" dirty="0" err="1" smtClean="0"/>
-              <a:t>prin</a:t>
-            </a:r>
-            <a:r>
-              <a:rPr lang="en-US" dirty="0" smtClean="0"/>
-              <a:t> Output Stream</a:t>
-            </a:r>
-          </a:p>
-          <a:p>
-            <a:endParaRPr lang="en-US" dirty="0" smtClean="0"/>
-          </a:p>
-          <a:p>
-            <a:r>
-              <a:rPr lang="en-US" dirty="0" err="1" smtClean="0"/>
-              <a:t>Citirea</a:t>
-            </a:r>
-            <a:r>
-              <a:rPr lang="en-US" dirty="0" smtClean="0"/>
-              <a:t> </a:t>
-            </a:r>
-            <a:r>
-              <a:rPr lang="en-US" dirty="0" err="1" smtClean="0"/>
-              <a:t>unui</a:t>
-            </a:r>
-            <a:r>
-              <a:rPr lang="en-US" dirty="0" smtClean="0"/>
-              <a:t> </a:t>
-            </a:r>
-            <a:r>
-              <a:rPr lang="en-US" dirty="0" err="1" smtClean="0"/>
-              <a:t>obiect</a:t>
-            </a:r>
-            <a:r>
-              <a:rPr lang="en-US" dirty="0" smtClean="0"/>
-              <a:t> </a:t>
-            </a:r>
-            <a:r>
-              <a:rPr lang="en-US" dirty="0" err="1" smtClean="0"/>
-              <a:t>prin</a:t>
-            </a:r>
-            <a:r>
-              <a:rPr lang="en-US" dirty="0" smtClean="0"/>
-              <a:t> Input Stream</a:t>
-            </a:r>
-          </a:p>
-          <a:p>
-            <a:endParaRPr lang="en-US" dirty="0" smtClean="0"/>
-          </a:p>
-          <a:p>
-            <a:r>
-              <a:rPr lang="en-US" dirty="0" err="1" smtClean="0"/>
               <a:t>Campuri</a:t>
             </a:r>
             <a:r>
@@ -5415,7 +5940,7 @@
               <a:t> </a:t>
             </a:r>
             <a:r>
-              <a:rPr lang="en-US" smtClean="0"/>
+              <a:rPr lang="en-US" dirty="0" err="1" smtClean="0"/>
               <a:t>Serializabile</a:t>
             </a:r>
             <a:endParaRPr lang="en-US" dirty="0" smtClean="0"/>
@@ -6500,6 +7025,76 @@
               <a:t>.</a:t>
             </a:r>
           </a:p>
+          <a:p>
+            <a:r>
+              <a:rPr lang="en-US" sz="1000" dirty="0" smtClean="0"/>
+              <a:t>Se </a:t>
+            </a:r>
+            <a:r>
+              <a:rPr lang="en-US" sz="1000" dirty="0" err="1" smtClean="0"/>
+              <a:t>poate</a:t>
+            </a:r>
+            <a:r>
+              <a:rPr lang="en-US" sz="1000" dirty="0" smtClean="0"/>
+              <a:t> </a:t>
+            </a:r>
+            <a:r>
+              <a:rPr lang="en-US" sz="1000" dirty="0" err="1" smtClean="0"/>
+              <a:t>apela</a:t>
+            </a:r>
+            <a:r>
+              <a:rPr lang="en-US" sz="1000" dirty="0" smtClean="0"/>
+              <a:t> </a:t>
+            </a:r>
+            <a:r>
+              <a:rPr lang="en-US" sz="1000" dirty="0" err="1" smtClean="0"/>
+              <a:t>si</a:t>
+            </a:r>
+            <a:r>
+              <a:rPr lang="en-US" sz="1000" dirty="0" smtClean="0"/>
+              <a:t> </a:t>
+            </a:r>
+            <a:r>
+              <a:rPr lang="en-US" sz="1000" dirty="0" err="1" smtClean="0"/>
+              <a:t>metoda</a:t>
+            </a:r>
+            <a:r>
+              <a:rPr lang="en-US" sz="1000" dirty="0" smtClean="0"/>
+              <a:t> run() </a:t>
+            </a:r>
+            <a:r>
+              <a:rPr lang="en-US" sz="1000" dirty="0" err="1" smtClean="0"/>
+              <a:t>fara</a:t>
+            </a:r>
+            <a:r>
+              <a:rPr lang="en-US" sz="1000" dirty="0" smtClean="0"/>
+              <a:t> start() </a:t>
+            </a:r>
+            <a:r>
+              <a:rPr lang="en-US" sz="1000" dirty="0" err="1" smtClean="0"/>
+              <a:t>dar</a:t>
+            </a:r>
+            <a:r>
+              <a:rPr lang="en-US" sz="1000" dirty="0" smtClean="0"/>
+              <a:t> nu se </a:t>
+            </a:r>
+            <a:r>
+              <a:rPr lang="en-US" sz="1000" dirty="0" err="1" smtClean="0"/>
+              <a:t>creeaza</a:t>
+            </a:r>
+            <a:r>
+              <a:rPr lang="en-US" sz="1000" dirty="0" smtClean="0"/>
+              <a:t> un  </a:t>
+            </a:r>
+            <a:r>
+              <a:rPr lang="en-US" sz="1000" dirty="0" err="1" smtClean="0"/>
+              <a:t>nou</a:t>
+            </a:r>
+            <a:r>
+              <a:rPr lang="en-US" sz="1000" dirty="0" smtClean="0"/>
+              <a:t> thread</a:t>
+            </a:r>
+          </a:p>
         </p:txBody>
       </p:sp>
       <p:sp>
@@ -6881,7 +7476,42 @@
             <a:endParaRPr lang="en-US" dirty="0" smtClean="0"/>
           </a:p>
           <a:p>
-            <a:endParaRPr lang="en-US" dirty="0" smtClean="0"/>
+            <a:r>
+              <a:rPr lang="en-US" sz="1200" dirty="0" smtClean="0"/>
+              <a:t>(</a:t>
+            </a:r>
+            <a:r>
+              <a:rPr lang="en-US" sz="1200" dirty="0" err="1" smtClean="0"/>
+              <a:t>aceste</a:t>
+            </a:r>
+            <a:r>
+              <a:rPr lang="en-US" sz="1200" dirty="0" smtClean="0"/>
+              <a:t> 2 </a:t>
+            </a:r>
+            <a:r>
+              <a:rPr lang="en-US" sz="1200" dirty="0" err="1" smtClean="0"/>
+              <a:t>metode</a:t>
+            </a:r>
+            <a:r>
+              <a:rPr lang="en-US" sz="1200" dirty="0" smtClean="0"/>
+              <a:t> pot </a:t>
+            </a:r>
+            <a:r>
+              <a:rPr lang="en-US" sz="1200" dirty="0" err="1" smtClean="0"/>
+              <a:t>arunca</a:t>
+            </a:r>
+            <a:r>
+              <a:rPr lang="en-US" sz="1200" dirty="0" smtClean="0"/>
+              <a:t> </a:t>
+            </a:r>
+            <a:r>
+              <a:rPr lang="en-US" sz="1200" dirty="0" err="1" smtClean="0"/>
+              <a:t>interruptedException</a:t>
+            </a:r>
+            <a:r>
+              <a:rPr lang="en-US" sz="1200" dirty="0" smtClean="0"/>
+              <a:t>…)</a:t>
+            </a:r>
           </a:p>
           <a:p>
             <a:endParaRPr lang="en-US" dirty="0" smtClean="0"/>
@@ -6972,18 +7602,169 @@
               <a:rPr lang="en-US" dirty="0" smtClean="0"/>
               <a:t>NEW </a:t>
             </a:r>
-          </a:p>
-          <a:p>
-            <a:r>
-              <a:rPr lang="en-US" dirty="0" smtClean="0"/>
-              <a:t>RUNNABLE</a:t>
-            </a:r>
+            <a:r>
+              <a:rPr lang="en-US" sz="1100" dirty="0" smtClean="0"/>
+              <a:t>(</a:t>
+            </a:r>
+            <a:r>
+              <a:rPr lang="en-US" sz="1100" dirty="0" err="1" smtClean="0"/>
+              <a:t>dupa</a:t>
+            </a:r>
+            <a:r>
+              <a:rPr lang="en-US" sz="1100" dirty="0" smtClean="0"/>
+              <a:t> new Thread </a:t>
+            </a:r>
+            <a:r>
+              <a:rPr lang="en-US" sz="1100" dirty="0" err="1" smtClean="0"/>
+              <a:t>si</a:t>
+            </a:r>
+            <a:r>
+              <a:rPr lang="en-US" sz="1100" dirty="0" smtClean="0"/>
+              <a:t> </a:t>
+            </a:r>
+            <a:r>
+              <a:rPr lang="en-US" sz="1100" dirty="0" err="1" smtClean="0"/>
+              <a:t>inainte</a:t>
+            </a:r>
+            <a:r>
+              <a:rPr lang="en-US" sz="1100" dirty="0" smtClean="0"/>
+              <a:t> de a </a:t>
+            </a:r>
+            <a:r>
+              <a:rPr lang="en-US" sz="1100" dirty="0" err="1" smtClean="0"/>
+              <a:t>i</a:t>
+            </a:r>
+            <a:r>
+              <a:rPr lang="en-US" sz="1100" dirty="0" smtClean="0"/>
+              <a:t> se </a:t>
+            </a:r>
+            <a:r>
+              <a:rPr lang="en-US" sz="1100" dirty="0" err="1" smtClean="0"/>
+              <a:t>da</a:t>
+            </a:r>
+            <a:r>
+              <a:rPr lang="en-US" sz="1100" dirty="0" smtClean="0"/>
+              <a:t> start)</a:t>
+            </a:r>
+            <a:endParaRPr lang="en-US" dirty="0" smtClean="0"/>
+          </a:p>
+          <a:p>
+            <a:r>
+              <a:rPr lang="en-US" dirty="0" smtClean="0"/>
+              <a:t>RUNNABLE </a:t>
+            </a:r>
+            <a:r>
+              <a:rPr lang="en-US" sz="1200" dirty="0" smtClean="0"/>
+              <a:t>(</a:t>
+            </a:r>
+            <a:r>
+              <a:rPr lang="en-US" sz="1200" dirty="0" err="1" smtClean="0"/>
+              <a:t>dupa</a:t>
+            </a:r>
+            <a:r>
+              <a:rPr lang="en-US" sz="1200" dirty="0" smtClean="0"/>
+              <a:t> </a:t>
+            </a:r>
+            <a:r>
+              <a:rPr lang="en-US" sz="1200" dirty="0" err="1" smtClean="0"/>
+              <a:t>ce</a:t>
+            </a:r>
+            <a:r>
+              <a:rPr lang="en-US" sz="1200" dirty="0" smtClean="0"/>
+              <a:t> </a:t>
+            </a:r>
+            <a:r>
+              <a:rPr lang="en-US" sz="1200" dirty="0" err="1" smtClean="0"/>
+              <a:t>i</a:t>
+            </a:r>
+            <a:r>
+              <a:rPr lang="en-US" sz="1200" dirty="0" smtClean="0"/>
+              <a:t> s-a </a:t>
+            </a:r>
+            <a:r>
+              <a:rPr lang="en-US" sz="1200" dirty="0" err="1" smtClean="0"/>
+              <a:t>dat</a:t>
+            </a:r>
+            <a:r>
+              <a:rPr lang="en-US" sz="1200" dirty="0" smtClean="0"/>
+              <a:t> start </a:t>
+            </a:r>
+            <a:r>
+              <a:rPr lang="en-US" sz="1200" dirty="0" err="1" smtClean="0"/>
+              <a:t>threadului</a:t>
+            </a:r>
+            <a:r>
+              <a:rPr lang="en-US" sz="1200" dirty="0" smtClean="0"/>
+              <a:t>)</a:t>
+            </a:r>
+            <a:endParaRPr lang="en-US" dirty="0" smtClean="0"/>
           </a:p>
           <a:p>
             <a:r>
               <a:rPr lang="en-US" dirty="0" smtClean="0"/>
               <a:t>BLOCKED</a:t>
             </a:r>
+            <a:r>
+              <a:rPr lang="en-US" sz="1200" dirty="0" smtClean="0"/>
+              <a:t>(</a:t>
+            </a:r>
+            <a:r>
+              <a:rPr lang="en-US" sz="1200" dirty="0" err="1" smtClean="0"/>
+              <a:t>cele</a:t>
+            </a:r>
+            <a:r>
+              <a:rPr lang="en-US" sz="1200" dirty="0" smtClean="0"/>
+              <a:t> care a </a:t>
+            </a:r>
+            <a:r>
+              <a:rPr lang="en-US" sz="1200" dirty="0" err="1" smtClean="0"/>
+              <a:t>dat</a:t>
+            </a:r>
+            <a:r>
+              <a:rPr lang="en-US" sz="1200" dirty="0" smtClean="0"/>
+              <a:t> join </a:t>
+            </a:r>
+            <a:r>
+              <a:rPr lang="en-US" sz="1200" dirty="0" err="1" smtClean="0"/>
+              <a:t>si</a:t>
+            </a:r>
+            <a:r>
+              <a:rPr lang="en-US" sz="1200" dirty="0" smtClean="0"/>
+              <a:t> </a:t>
+            </a:r>
+            <a:r>
+              <a:rPr lang="en-US" sz="1200" dirty="0" err="1" smtClean="0"/>
+              <a:t>astepta</a:t>
+            </a:r>
+            <a:r>
+              <a:rPr lang="en-US" sz="1200" dirty="0" smtClean="0"/>
+              <a:t>(de ex </a:t>
+            </a:r>
+            <a:r>
+              <a:rPr lang="en-US" sz="1200" dirty="0" err="1" smtClean="0"/>
+              <a:t>threadul</a:t>
+            </a:r>
+            <a:r>
+              <a:rPr lang="en-US" sz="1200" dirty="0" smtClean="0"/>
+              <a:t> main) </a:t>
+            </a:r>
+            <a:r>
+              <a:rPr lang="en-US" sz="1200" dirty="0" err="1" smtClean="0"/>
+              <a:t>este</a:t>
+            </a:r>
+            <a:r>
+              <a:rPr lang="en-US" sz="1200" dirty="0" smtClean="0"/>
+              <a:t> in </a:t>
+            </a:r>
+            <a:r>
+              <a:rPr lang="en-US" sz="1200" dirty="0" err="1" smtClean="0"/>
+              <a:t>starea</a:t>
+            </a:r>
+            <a:r>
+              <a:rPr lang="en-US" sz="1200" dirty="0" smtClean="0"/>
+              <a:t> blocked)</a:t>
+            </a:r>
+            <a:endParaRPr lang="en-US" dirty="0" smtClean="0"/>
           </a:p>
           <a:p>
             <a:r>
@@ -7002,7 +7783,60 @@
               <a:rPr lang="en-US" dirty="0" smtClean="0"/>
               <a:t>TERMINATED</a:t>
             </a:r>
-            <a:endParaRPr lang="en-US" dirty="0"/>
+          </a:p>
+          <a:p>
+            <a:r>
+              <a:rPr lang="en-US" sz="1200" dirty="0" smtClean="0"/>
+              <a:t>In </a:t>
+            </a:r>
+            <a:r>
+              <a:rPr lang="en-US" sz="1200" dirty="0" err="1" smtClean="0"/>
+              <a:t>clasa</a:t>
+            </a:r>
+            <a:r>
+              <a:rPr lang="en-US" sz="1200" dirty="0" smtClean="0"/>
+              <a:t> </a:t>
+            </a:r>
+            <a:r>
+              <a:rPr lang="en-US" sz="1200" dirty="0" err="1" smtClean="0"/>
+              <a:t>Thead</a:t>
+            </a:r>
+            <a:r>
+              <a:rPr lang="en-US" sz="1200" dirty="0" smtClean="0"/>
+              <a:t> </a:t>
+            </a:r>
+            <a:r>
+              <a:rPr lang="en-US" sz="1200" dirty="0" err="1" smtClean="0"/>
+              <a:t>exista</a:t>
+            </a:r>
+            <a:r>
+              <a:rPr lang="en-US" sz="1200" dirty="0" smtClean="0"/>
+              <a:t> un </a:t>
+            </a:r>
+            <a:r>
+              <a:rPr lang="en-US" sz="1200" dirty="0" err="1" smtClean="0"/>
+              <a:t>enum</a:t>
+            </a:r>
+            <a:r>
+              <a:rPr lang="en-US" sz="1200" dirty="0" smtClean="0"/>
+              <a:t> cu </a:t>
+            </a:r>
+            <a:r>
+              <a:rPr lang="en-US" sz="1200" dirty="0" err="1" smtClean="0"/>
+              <a:t>cele</a:t>
+            </a:r>
+            <a:r>
+              <a:rPr lang="en-US" sz="1200" dirty="0" smtClean="0"/>
+              <a:t> 6 </a:t>
+            </a:r>
+            <a:r>
+              <a:rPr lang="en-US" sz="1200" dirty="0" err="1" smtClean="0"/>
+              <a:t>stari</a:t>
+            </a:r>
+            <a:endParaRPr lang="en-US" sz="1200" dirty="0" smtClean="0"/>
+          </a:p>
+          <a:p>
+            <a:endParaRPr lang="en-US" sz="1200" dirty="0"/>
           </a:p>
         </p:txBody>
       </p:sp>
